--- a/Platformer Adventure/Assets/Background/űű.pptx
+++ b/Platformer Adventure/Assets/Background/űű.pptx
@@ -6,6 +6,7 @@
   </p:sldMasterIdLst>
   <p:sldIdLst>
     <p:sldId id="256" r:id="rId2"/>
+    <p:sldId id="257" r:id="rId3"/>
   </p:sldIdLst>
   <p:sldSz cx="12192000" cy="6858000"/>
   <p:notesSz cx="6858000" cy="9144000"/>
@@ -104,6 +105,11 @@
       </a:defRPr>
     </a:lvl9pPr>
   </p:defaultTextStyle>
+  <p:extLst>
+    <p:ext uri="{EFAFB233-063F-42B5-8137-9DF3F51BA10A}">
+      <p15:sldGuideLst xmlns:p15="http://schemas.microsoft.com/office/powerpoint/2012/main"/>
+    </p:ext>
+  </p:extLst>
 </p:presentation>
 </file>
 
@@ -254,7 +260,7 @@
           <a:p>
             <a:fld id="{0BBD9AA5-1B4F-4D45-AF81-0899AF317EB8}" type="datetimeFigureOut">
               <a:rPr lang="hu-HU" smtClean="0"/>
-              <a:t>2025. 09. 10.</a:t>
+              <a:t>2025. 09. 18.</a:t>
             </a:fld>
             <a:endParaRPr lang="hu-HU"/>
           </a:p>
@@ -452,7 +458,7 @@
           <a:p>
             <a:fld id="{0BBD9AA5-1B4F-4D45-AF81-0899AF317EB8}" type="datetimeFigureOut">
               <a:rPr lang="hu-HU" smtClean="0"/>
-              <a:t>2025. 09. 10.</a:t>
+              <a:t>2025. 09. 18.</a:t>
             </a:fld>
             <a:endParaRPr lang="hu-HU"/>
           </a:p>
@@ -660,7 +666,7 @@
           <a:p>
             <a:fld id="{0BBD9AA5-1B4F-4D45-AF81-0899AF317EB8}" type="datetimeFigureOut">
               <a:rPr lang="hu-HU" smtClean="0"/>
-              <a:t>2025. 09. 10.</a:t>
+              <a:t>2025. 09. 18.</a:t>
             </a:fld>
             <a:endParaRPr lang="hu-HU"/>
           </a:p>
@@ -858,7 +864,7 @@
           <a:p>
             <a:fld id="{0BBD9AA5-1B4F-4D45-AF81-0899AF317EB8}" type="datetimeFigureOut">
               <a:rPr lang="hu-HU" smtClean="0"/>
-              <a:t>2025. 09. 10.</a:t>
+              <a:t>2025. 09. 18.</a:t>
             </a:fld>
             <a:endParaRPr lang="hu-HU"/>
           </a:p>
@@ -1133,7 +1139,7 @@
           <a:p>
             <a:fld id="{0BBD9AA5-1B4F-4D45-AF81-0899AF317EB8}" type="datetimeFigureOut">
               <a:rPr lang="hu-HU" smtClean="0"/>
-              <a:t>2025. 09. 10.</a:t>
+              <a:t>2025. 09. 18.</a:t>
             </a:fld>
             <a:endParaRPr lang="hu-HU"/>
           </a:p>
@@ -1398,7 +1404,7 @@
           <a:p>
             <a:fld id="{0BBD9AA5-1B4F-4D45-AF81-0899AF317EB8}" type="datetimeFigureOut">
               <a:rPr lang="hu-HU" smtClean="0"/>
-              <a:t>2025. 09. 10.</a:t>
+              <a:t>2025. 09. 18.</a:t>
             </a:fld>
             <a:endParaRPr lang="hu-HU"/>
           </a:p>
@@ -1810,7 +1816,7 @@
           <a:p>
             <a:fld id="{0BBD9AA5-1B4F-4D45-AF81-0899AF317EB8}" type="datetimeFigureOut">
               <a:rPr lang="hu-HU" smtClean="0"/>
-              <a:t>2025. 09. 10.</a:t>
+              <a:t>2025. 09. 18.</a:t>
             </a:fld>
             <a:endParaRPr lang="hu-HU"/>
           </a:p>
@@ -1951,7 +1957,7 @@
           <a:p>
             <a:fld id="{0BBD9AA5-1B4F-4D45-AF81-0899AF317EB8}" type="datetimeFigureOut">
               <a:rPr lang="hu-HU" smtClean="0"/>
-              <a:t>2025. 09. 10.</a:t>
+              <a:t>2025. 09. 18.</a:t>
             </a:fld>
             <a:endParaRPr lang="hu-HU"/>
           </a:p>
@@ -2064,7 +2070,7 @@
           <a:p>
             <a:fld id="{0BBD9AA5-1B4F-4D45-AF81-0899AF317EB8}" type="datetimeFigureOut">
               <a:rPr lang="hu-HU" smtClean="0"/>
-              <a:t>2025. 09. 10.</a:t>
+              <a:t>2025. 09. 18.</a:t>
             </a:fld>
             <a:endParaRPr lang="hu-HU"/>
           </a:p>
@@ -2375,7 +2381,7 @@
           <a:p>
             <a:fld id="{0BBD9AA5-1B4F-4D45-AF81-0899AF317EB8}" type="datetimeFigureOut">
               <a:rPr lang="hu-HU" smtClean="0"/>
-              <a:t>2025. 09. 10.</a:t>
+              <a:t>2025. 09. 18.</a:t>
             </a:fld>
             <a:endParaRPr lang="hu-HU"/>
           </a:p>
@@ -2663,7 +2669,7 @@
           <a:p>
             <a:fld id="{0BBD9AA5-1B4F-4D45-AF81-0899AF317EB8}" type="datetimeFigureOut">
               <a:rPr lang="hu-HU" smtClean="0"/>
-              <a:t>2025. 09. 10.</a:t>
+              <a:t>2025. 09. 18.</a:t>
             </a:fld>
             <a:endParaRPr lang="hu-HU"/>
           </a:p>
@@ -2904,7 +2910,7 @@
           <a:p>
             <a:fld id="{0BBD9AA5-1B4F-4D45-AF81-0899AF317EB8}" type="datetimeFigureOut">
               <a:rPr lang="hu-HU" smtClean="0"/>
-              <a:t>2025. 09. 10.</a:t>
+              <a:t>2025. 09. 18.</a:t>
             </a:fld>
             <a:endParaRPr lang="hu-HU"/>
           </a:p>
@@ -3307,6 +3313,40 @@
 <file path=ppt/slides/slide1.xml><?xml version="1.0" encoding="utf-8"?>
 <p:sld xmlns:a="http://schemas.openxmlformats.org/drawingml/2006/main" xmlns:r="http://schemas.openxmlformats.org/officeDocument/2006/relationships" xmlns:p="http://schemas.openxmlformats.org/presentationml/2006/main">
   <p:cSld>
+    <p:bg>
+      <p:bgPr>
+        <a:gradFill>
+          <a:gsLst>
+            <a:gs pos="0">
+              <a:schemeClr val="accent1">
+                <a:lumMod val="5000"/>
+                <a:lumOff val="95000"/>
+              </a:schemeClr>
+            </a:gs>
+            <a:gs pos="74000">
+              <a:schemeClr val="accent1">
+                <a:lumMod val="45000"/>
+                <a:lumOff val="55000"/>
+              </a:schemeClr>
+            </a:gs>
+            <a:gs pos="83000">
+              <a:schemeClr val="accent1">
+                <a:lumMod val="45000"/>
+                <a:lumOff val="55000"/>
+              </a:schemeClr>
+            </a:gs>
+            <a:gs pos="100000">
+              <a:schemeClr val="accent1">
+                <a:lumMod val="30000"/>
+                <a:lumOff val="70000"/>
+              </a:schemeClr>
+            </a:gs>
+          </a:gsLst>
+          <a:lin ang="5400000" scaled="1"/>
+        </a:gradFill>
+        <a:effectLst/>
+      </p:bgPr>
+    </p:bg>
     <p:spTree>
       <p:nvGrpSpPr>
         <p:cNvPr id="1" name=""/>
@@ -3376,7 +3416,7 @@
         </p:blipFill>
         <p:spPr>
           <a:xfrm>
-            <a:off x="2941320" y="970280"/>
+            <a:off x="187960" y="665480"/>
             <a:ext cx="5308600" cy="5308600"/>
           </a:xfrm>
           <a:prstGeom prst="rect">
@@ -3384,10 +3424,738 @@
           </a:prstGeom>
         </p:spPr>
       </p:pic>
+      <p:pic>
+        <p:nvPicPr>
+          <p:cNvPr id="6" name="Kép 5" descr="A képen szimbólum, clipart, embléma látható&#10;&#10;Előfordulhat, hogy az AI által létrehozott tartalom helytelen.">
+            <a:extLst>
+              <a:ext uri="{FF2B5EF4-FFF2-40B4-BE49-F238E27FC236}">
+                <a16:creationId xmlns:a16="http://schemas.microsoft.com/office/drawing/2014/main" id="{F17C4063-13F1-8E06-77D9-42A6B34FC9A0}"/>
+              </a:ext>
+            </a:extLst>
+          </p:cNvPr>
+          <p:cNvPicPr>
+            <a:picLocks noChangeAspect="1"/>
+          </p:cNvPicPr>
+          <p:nvPr/>
+        </p:nvPicPr>
+        <p:blipFill>
+          <a:blip r:embed="rId4">
+            <a:extLst>
+              <a:ext uri="{BEBA8EAE-BF5A-486C-A8C5-ECC9F3942E4B}">
+                <a14:imgProps xmlns:a14="http://schemas.microsoft.com/office/drawing/2010/main">
+                  <a14:imgLayer r:embed="rId5">
+                    <a14:imgEffect>
+                      <a14:backgroundRemoval t="10000" b="90000" l="10000" r="90000"/>
+                    </a14:imgEffect>
+                  </a14:imgLayer>
+                </a14:imgProps>
+              </a:ext>
+              <a:ext uri="{28A0092B-C50C-407E-A947-70E740481C1C}">
+                <a14:useLocalDpi xmlns:a14="http://schemas.microsoft.com/office/drawing/2010/main" val="0"/>
+              </a:ext>
+            </a:extLst>
+          </a:blip>
+          <a:stretch>
+            <a:fillRect/>
+          </a:stretch>
+        </p:blipFill>
+        <p:spPr>
+          <a:xfrm>
+            <a:off x="-310201" y="-84141"/>
+            <a:ext cx="6353689" cy="6353689"/>
+          </a:xfrm>
+          <a:prstGeom prst="rect">
+            <a:avLst/>
+          </a:prstGeom>
+        </p:spPr>
+      </p:pic>
+      <p:grpSp>
+        <p:nvGrpSpPr>
+          <p:cNvPr id="9" name="Csoportba foglalás 8">
+            <a:extLst>
+              <a:ext uri="{FF2B5EF4-FFF2-40B4-BE49-F238E27FC236}">
+                <a16:creationId xmlns:a16="http://schemas.microsoft.com/office/drawing/2014/main" id="{3102C842-6AAA-7E0E-8B4F-2B34F6C3AB1C}"/>
+              </a:ext>
+            </a:extLst>
+          </p:cNvPr>
+          <p:cNvGrpSpPr/>
+          <p:nvPr/>
+        </p:nvGrpSpPr>
+        <p:grpSpPr>
+          <a:xfrm>
+            <a:off x="6541648" y="3152775"/>
+            <a:ext cx="3784974" cy="552450"/>
+            <a:chOff x="6541649" y="3152775"/>
+            <a:chExt cx="3521009" cy="552450"/>
+          </a:xfrm>
+        </p:grpSpPr>
+        <p:grpSp>
+          <p:nvGrpSpPr>
+            <p:cNvPr id="7" name="Csoportba foglalás 6">
+              <a:extLst>
+                <a:ext uri="{FF2B5EF4-FFF2-40B4-BE49-F238E27FC236}">
+                  <a16:creationId xmlns:a16="http://schemas.microsoft.com/office/drawing/2014/main" id="{B9DDE882-3EFD-51EC-04D8-B21ED2BD6AE1}"/>
+                </a:ext>
+              </a:extLst>
+            </p:cNvPr>
+            <p:cNvGrpSpPr/>
+            <p:nvPr/>
+          </p:nvGrpSpPr>
+          <p:grpSpPr>
+            <a:xfrm>
+              <a:off x="6541649" y="3152775"/>
+              <a:ext cx="3521009" cy="552450"/>
+              <a:chOff x="6541649" y="3152775"/>
+              <a:chExt cx="3521009" cy="552450"/>
+            </a:xfrm>
+          </p:grpSpPr>
+          <p:pic>
+            <p:nvPicPr>
+              <p:cNvPr id="3" name="Kép 2" descr="A képen szöveg, képernyőkép, Betűtípus, Grafika látható&#10;&#10;Előfordulhat, hogy az AI által létrehozott tartalom helytelen.">
+                <a:extLst>
+                  <a:ext uri="{FF2B5EF4-FFF2-40B4-BE49-F238E27FC236}">
+                    <a16:creationId xmlns:a16="http://schemas.microsoft.com/office/drawing/2014/main" id="{61C8A04A-80C2-45D6-3A70-40F51F6395C3}"/>
+                  </a:ext>
+                </a:extLst>
+              </p:cNvPr>
+              <p:cNvPicPr>
+                <a:picLocks noChangeAspect="1"/>
+              </p:cNvPicPr>
+              <p:nvPr/>
+            </p:nvPicPr>
+            <p:blipFill>
+              <a:blip r:embed="rId6">
+                <a:extLst>
+                  <a:ext uri="{28A0092B-C50C-407E-A947-70E740481C1C}">
+                    <a14:useLocalDpi xmlns:a14="http://schemas.microsoft.com/office/drawing/2010/main" val="0"/>
+                  </a:ext>
+                </a:extLst>
+              </a:blip>
+              <a:stretch>
+                <a:fillRect/>
+              </a:stretch>
+            </p:blipFill>
+            <p:spPr>
+              <a:xfrm>
+                <a:off x="6541649" y="3152775"/>
+                <a:ext cx="3521009" cy="552450"/>
+              </a:xfrm>
+              <a:prstGeom prst="rect">
+                <a:avLst/>
+              </a:prstGeom>
+            </p:spPr>
+          </p:pic>
+          <p:sp>
+            <p:nvSpPr>
+              <p:cNvPr id="4" name="Téglalap 3">
+                <a:extLst>
+                  <a:ext uri="{FF2B5EF4-FFF2-40B4-BE49-F238E27FC236}">
+                    <a16:creationId xmlns:a16="http://schemas.microsoft.com/office/drawing/2014/main" id="{3CB7AE0B-260E-0D24-702C-7035A3ED806D}"/>
+                  </a:ext>
+                </a:extLst>
+              </p:cNvPr>
+              <p:cNvSpPr/>
+              <p:nvPr/>
+            </p:nvSpPr>
+            <p:spPr>
+              <a:xfrm>
+                <a:off x="6751320" y="3266440"/>
+                <a:ext cx="1143000" cy="269240"/>
+              </a:xfrm>
+              <a:prstGeom prst="rect">
+                <a:avLst/>
+              </a:prstGeom>
+              <a:solidFill>
+                <a:srgbClr val="818181"/>
+              </a:solidFill>
+              <a:ln>
+                <a:noFill/>
+              </a:ln>
+            </p:spPr>
+            <p:style>
+              <a:lnRef idx="2">
+                <a:schemeClr val="accent1">
+                  <a:shade val="15000"/>
+                </a:schemeClr>
+              </a:lnRef>
+              <a:fillRef idx="1">
+                <a:schemeClr val="accent1"/>
+              </a:fillRef>
+              <a:effectRef idx="0">
+                <a:schemeClr val="accent1"/>
+              </a:effectRef>
+              <a:fontRef idx="minor">
+                <a:schemeClr val="lt1"/>
+              </a:fontRef>
+            </p:style>
+            <p:txBody>
+              <a:bodyPr rtlCol="0" anchor="ctr"/>
+              <a:lstStyle/>
+              <a:p>
+                <a:pPr algn="ctr"/>
+                <a:endParaRPr lang="hu-HU"/>
+              </a:p>
+            </p:txBody>
+          </p:sp>
+        </p:grpSp>
+        <p:sp>
+          <p:nvSpPr>
+            <p:cNvPr id="8" name="Szövegdoboz 7">
+              <a:extLst>
+                <a:ext uri="{FF2B5EF4-FFF2-40B4-BE49-F238E27FC236}">
+                  <a16:creationId xmlns:a16="http://schemas.microsoft.com/office/drawing/2014/main" id="{2589F130-8510-5F59-13AF-EDDFBA04DB72}"/>
+                </a:ext>
+              </a:extLst>
+            </p:cNvPr>
+            <p:cNvSpPr txBox="1"/>
+            <p:nvPr/>
+          </p:nvSpPr>
+          <p:spPr>
+            <a:xfrm>
+              <a:off x="6614800" y="3201005"/>
+              <a:ext cx="2565775" cy="430887"/>
+            </a:xfrm>
+            <a:prstGeom prst="rect">
+              <a:avLst/>
+            </a:prstGeom>
+            <a:noFill/>
+          </p:spPr>
+          <p:txBody>
+            <a:bodyPr wrap="square" rtlCol="0">
+              <a:spAutoFit/>
+            </a:bodyPr>
+            <a:lstStyle/>
+            <a:p>
+              <a:r>
+                <a:rPr lang="hu-HU" sz="2200" b="1" cap="all" spc="50" dirty="0">
+                  <a:ln w="19050" cmpd="sng">
+                    <a:solidFill>
+                      <a:schemeClr val="tx1"/>
+                    </a:solidFill>
+                    <a:prstDash val="solid"/>
+                  </a:ln>
+                  <a:solidFill>
+                    <a:schemeClr val="bg1"/>
+                  </a:solidFill>
+                  <a:effectLst>
+                    <a:glow rad="38100">
+                      <a:schemeClr val="accent1">
+                        <a:alpha val="40000"/>
+                      </a:schemeClr>
+                    </a:glow>
+                  </a:effectLst>
+                  <a:latin typeface="Aptos Black" panose="020F0502020204030204" pitchFamily="34" charset="0"/>
+                </a:rPr>
+                <a:t>DeathCounter</a:t>
+              </a:r>
+            </a:p>
+          </p:txBody>
+        </p:sp>
+      </p:grpSp>
     </p:spTree>
     <p:extLst>
       <p:ext uri="{BB962C8B-B14F-4D97-AF65-F5344CB8AC3E}">
         <p14:creationId xmlns:p14="http://schemas.microsoft.com/office/powerpoint/2010/main" val="2196113376"/>
+      </p:ext>
+    </p:extLst>
+  </p:cSld>
+  <p:clrMapOvr>
+    <a:masterClrMapping/>
+  </p:clrMapOvr>
+</p:sld>
+</file>
+
+<file path=ppt/slides/slide2.xml><?xml version="1.0" encoding="utf-8"?>
+<p:sld xmlns:a="http://schemas.openxmlformats.org/drawingml/2006/main" xmlns:r="http://schemas.openxmlformats.org/officeDocument/2006/relationships" xmlns:p="http://schemas.openxmlformats.org/presentationml/2006/main">
+  <p:cSld>
+    <p:bg>
+      <p:bgPr>
+        <a:blipFill dpi="0" rotWithShape="1">
+          <a:blip r:embed="rId2">
+            <a:lum/>
+          </a:blip>
+          <a:srcRect/>
+          <a:stretch>
+            <a:fillRect t="-1000" b="-1000"/>
+          </a:stretch>
+        </a:blipFill>
+        <a:effectLst/>
+      </p:bgPr>
+    </p:bg>
+    <p:spTree>
+      <p:nvGrpSpPr>
+        <p:cNvPr id="1" name=""/>
+        <p:cNvGrpSpPr/>
+        <p:nvPr/>
+      </p:nvGrpSpPr>
+      <p:grpSpPr>
+        <a:xfrm>
+          <a:off x="0" y="0"/>
+          <a:ext cx="0" cy="0"/>
+          <a:chOff x="0" y="0"/>
+          <a:chExt cx="0" cy="0"/>
+        </a:xfrm>
+      </p:grpSpPr>
+      <p:sp>
+        <p:nvSpPr>
+          <p:cNvPr id="2" name="Cím 1">
+            <a:extLst>
+              <a:ext uri="{FF2B5EF4-FFF2-40B4-BE49-F238E27FC236}">
+                <a16:creationId xmlns:a16="http://schemas.microsoft.com/office/drawing/2014/main" id="{EA953B76-9CB1-A533-ABD9-CBCF21632C8F}"/>
+              </a:ext>
+            </a:extLst>
+          </p:cNvPr>
+          <p:cNvSpPr>
+            <a:spLocks noGrp="1"/>
+          </p:cNvSpPr>
+          <p:nvPr>
+            <p:ph type="title"/>
+          </p:nvPr>
+        </p:nvSpPr>
+        <p:spPr>
+          <a:xfrm>
+            <a:off x="838200" y="556937"/>
+            <a:ext cx="10515600" cy="1325563"/>
+          </a:xfrm>
+        </p:spPr>
+        <p:txBody>
+          <a:bodyPr>
+            <a:normAutofit/>
+          </a:bodyPr>
+          <a:lstStyle/>
+          <a:p>
+            <a:pPr algn="ctr"/>
+            <a:r>
+              <a:rPr lang="hu-HU" sz="5400" dirty="0">
+                <a:solidFill>
+                  <a:schemeClr val="bg1"/>
+                </a:solidFill>
+                <a:latin typeface="Algerian" panose="04020705040A02060702" pitchFamily="82" charset="0"/>
+              </a:rPr>
+              <a:t>Game Controls</a:t>
+            </a:r>
+          </a:p>
+        </p:txBody>
+      </p:sp>
+      <p:sp>
+        <p:nvSpPr>
+          <p:cNvPr id="3" name="Tartalom helye 2">
+            <a:extLst>
+              <a:ext uri="{FF2B5EF4-FFF2-40B4-BE49-F238E27FC236}">
+                <a16:creationId xmlns:a16="http://schemas.microsoft.com/office/drawing/2014/main" id="{1487CA79-68A8-BB01-F056-BE63FB894AFD}"/>
+              </a:ext>
+            </a:extLst>
+          </p:cNvPr>
+          <p:cNvSpPr>
+            <a:spLocks noGrp="1"/>
+          </p:cNvSpPr>
+          <p:nvPr>
+            <p:ph idx="1"/>
+          </p:nvPr>
+        </p:nvSpPr>
+        <p:spPr>
+          <a:xfrm>
+            <a:off x="4536440" y="2508401"/>
+            <a:ext cx="8011160" cy="3364080"/>
+          </a:xfrm>
+        </p:spPr>
+        <p:txBody>
+          <a:bodyPr/>
+          <a:lstStyle/>
+          <a:p>
+            <a:r>
+              <a:rPr lang="hu-HU" dirty="0">
+                <a:solidFill>
+                  <a:schemeClr val="bg1"/>
+                </a:solidFill>
+                <a:latin typeface="ADLaM Display" panose="020F0502020204030204" pitchFamily="2" charset="0"/>
+                <a:ea typeface="ADLaM Display" panose="020F0502020204030204" pitchFamily="2" charset="0"/>
+                <a:cs typeface="ADLaM Display" panose="020F0502020204030204" pitchFamily="2" charset="0"/>
+              </a:rPr>
+              <a:t>W/   :  Jump – 2x W/   :  Double jump</a:t>
+            </a:r>
+          </a:p>
+          <a:p>
+            <a:r>
+              <a:rPr lang="hu-HU" dirty="0">
+                <a:solidFill>
+                  <a:schemeClr val="bg1"/>
+                </a:solidFill>
+                <a:latin typeface="ADLaM Display" panose="020F0502020204030204" pitchFamily="2" charset="0"/>
+                <a:ea typeface="ADLaM Display" panose="020F0502020204030204" pitchFamily="2" charset="0"/>
+                <a:cs typeface="ADLaM Display" panose="020F0502020204030204" pitchFamily="2" charset="0"/>
+              </a:rPr>
+              <a:t>A/    :  Move left – D/    : Move right</a:t>
+            </a:r>
+          </a:p>
+          <a:p>
+            <a:r>
+              <a:rPr lang="hu-HU" dirty="0">
+                <a:solidFill>
+                  <a:schemeClr val="bg1"/>
+                </a:solidFill>
+                <a:latin typeface="ADLaM Display" panose="020F0502020204030204" pitchFamily="2" charset="0"/>
+                <a:ea typeface="ADLaM Display" panose="020F0502020204030204" pitchFamily="2" charset="0"/>
+                <a:cs typeface="ADLaM Display" panose="020F0502020204030204" pitchFamily="2" charset="0"/>
+              </a:rPr>
+              <a:t>S/   :  Crouch</a:t>
+            </a:r>
+          </a:p>
+          <a:p>
+            <a:r>
+              <a:rPr lang="hu-HU" dirty="0">
+                <a:solidFill>
+                  <a:schemeClr val="bg1"/>
+                </a:solidFill>
+                <a:latin typeface="ADLaM Display" panose="020F0502020204030204" pitchFamily="2" charset="0"/>
+                <a:ea typeface="ADLaM Display" panose="020F0502020204030204" pitchFamily="2" charset="0"/>
+                <a:cs typeface="ADLaM Display" panose="020F0502020204030204" pitchFamily="2" charset="0"/>
+              </a:rPr>
+              <a:t>Left click :  Shoot</a:t>
+            </a:r>
+          </a:p>
+          <a:p>
+            <a:r>
+              <a:rPr lang="hu-HU" dirty="0">
+                <a:solidFill>
+                  <a:schemeClr val="bg1"/>
+                </a:solidFill>
+                <a:latin typeface="ADLaM Display" panose="020F0502020204030204" pitchFamily="2" charset="0"/>
+                <a:ea typeface="ADLaM Display" panose="020F0502020204030204" pitchFamily="2" charset="0"/>
+                <a:cs typeface="ADLaM Display" panose="020F0502020204030204" pitchFamily="2" charset="0"/>
+              </a:rPr>
+              <a:t>E/Enter :  Select</a:t>
+            </a:r>
+          </a:p>
+          <a:p>
+            <a:r>
+              <a:rPr lang="hu-HU" dirty="0">
+                <a:solidFill>
+                  <a:schemeClr val="bg1"/>
+                </a:solidFill>
+                <a:latin typeface="ADLaM Display" panose="020F0502020204030204" pitchFamily="2" charset="0"/>
+                <a:ea typeface="ADLaM Display" panose="020F0502020204030204" pitchFamily="2" charset="0"/>
+                <a:cs typeface="ADLaM Display" panose="020F0502020204030204" pitchFamily="2" charset="0"/>
+              </a:rPr>
+              <a:t>Esc :  Pause/Unpaus the game </a:t>
+            </a:r>
+          </a:p>
+        </p:txBody>
+      </p:sp>
+      <p:sp>
+        <p:nvSpPr>
+          <p:cNvPr id="4" name="Nyíl: jobbra mutató 3">
+            <a:extLst>
+              <a:ext uri="{FF2B5EF4-FFF2-40B4-BE49-F238E27FC236}">
+                <a16:creationId xmlns:a16="http://schemas.microsoft.com/office/drawing/2014/main" id="{3680AAE3-EE05-512C-A419-2F487E665328}"/>
+              </a:ext>
+            </a:extLst>
+          </p:cNvPr>
+          <p:cNvSpPr/>
+          <p:nvPr/>
+        </p:nvSpPr>
+        <p:spPr>
+          <a:xfrm rot="16200000">
+            <a:off x="5394080" y="2648000"/>
+            <a:ext cx="288000" cy="144000"/>
+          </a:xfrm>
+          <a:prstGeom prst="rightArrow">
+            <a:avLst/>
+          </a:prstGeom>
+          <a:solidFill>
+            <a:schemeClr val="bg1"/>
+          </a:solidFill>
+          <a:ln>
+            <a:solidFill>
+              <a:schemeClr val="bg1"/>
+            </a:solidFill>
+          </a:ln>
+        </p:spPr>
+        <p:style>
+          <a:lnRef idx="2">
+            <a:schemeClr val="accent1">
+              <a:shade val="15000"/>
+            </a:schemeClr>
+          </a:lnRef>
+          <a:fillRef idx="1">
+            <a:schemeClr val="accent1"/>
+          </a:fillRef>
+          <a:effectRef idx="0">
+            <a:schemeClr val="accent1"/>
+          </a:effectRef>
+          <a:fontRef idx="minor">
+            <a:schemeClr val="lt1"/>
+          </a:fontRef>
+        </p:style>
+        <p:txBody>
+          <a:bodyPr rtlCol="0" anchor="ctr"/>
+          <a:lstStyle/>
+          <a:p>
+            <a:pPr algn="ctr"/>
+            <a:endParaRPr lang="hu-HU"/>
+          </a:p>
+        </p:txBody>
+      </p:sp>
+      <p:sp>
+        <p:nvSpPr>
+          <p:cNvPr id="5" name="Nyíl: jobbra mutató 4">
+            <a:extLst>
+              <a:ext uri="{FF2B5EF4-FFF2-40B4-BE49-F238E27FC236}">
+                <a16:creationId xmlns:a16="http://schemas.microsoft.com/office/drawing/2014/main" id="{94B1727D-7C0A-F20C-9F9F-66145C729040}"/>
+              </a:ext>
+            </a:extLst>
+          </p:cNvPr>
+          <p:cNvSpPr/>
+          <p:nvPr/>
+        </p:nvSpPr>
+        <p:spPr>
+          <a:xfrm rot="16200000">
+            <a:off x="8330320" y="2648000"/>
+            <a:ext cx="288000" cy="144000"/>
+          </a:xfrm>
+          <a:prstGeom prst="rightArrow">
+            <a:avLst/>
+          </a:prstGeom>
+          <a:solidFill>
+            <a:schemeClr val="bg1"/>
+          </a:solidFill>
+          <a:ln>
+            <a:solidFill>
+              <a:schemeClr val="bg1"/>
+            </a:solidFill>
+          </a:ln>
+        </p:spPr>
+        <p:style>
+          <a:lnRef idx="2">
+            <a:schemeClr val="accent1">
+              <a:shade val="15000"/>
+            </a:schemeClr>
+          </a:lnRef>
+          <a:fillRef idx="1">
+            <a:schemeClr val="accent1"/>
+          </a:fillRef>
+          <a:effectRef idx="0">
+            <a:schemeClr val="accent1"/>
+          </a:effectRef>
+          <a:fontRef idx="minor">
+            <a:schemeClr val="lt1"/>
+          </a:fontRef>
+        </p:style>
+        <p:txBody>
+          <a:bodyPr rtlCol="0" anchor="ctr"/>
+          <a:lstStyle/>
+          <a:p>
+            <a:pPr algn="ctr"/>
+            <a:endParaRPr lang="hu-HU"/>
+          </a:p>
+        </p:txBody>
+      </p:sp>
+      <p:sp>
+        <p:nvSpPr>
+          <p:cNvPr id="6" name="Nyíl: jobbra mutató 5">
+            <a:extLst>
+              <a:ext uri="{FF2B5EF4-FFF2-40B4-BE49-F238E27FC236}">
+                <a16:creationId xmlns:a16="http://schemas.microsoft.com/office/drawing/2014/main" id="{AE9B9FB7-2747-7EB6-F92B-BD19E697F25E}"/>
+              </a:ext>
+            </a:extLst>
+          </p:cNvPr>
+          <p:cNvSpPr/>
+          <p:nvPr/>
+        </p:nvSpPr>
+        <p:spPr>
+          <a:xfrm rot="10800000">
+            <a:off x="5283200" y="3196640"/>
+            <a:ext cx="288000" cy="144000"/>
+          </a:xfrm>
+          <a:prstGeom prst="rightArrow">
+            <a:avLst/>
+          </a:prstGeom>
+          <a:solidFill>
+            <a:schemeClr val="bg1"/>
+          </a:solidFill>
+          <a:ln>
+            <a:solidFill>
+              <a:schemeClr val="bg1"/>
+            </a:solidFill>
+          </a:ln>
+        </p:spPr>
+        <p:style>
+          <a:lnRef idx="2">
+            <a:schemeClr val="accent1">
+              <a:shade val="15000"/>
+            </a:schemeClr>
+          </a:lnRef>
+          <a:fillRef idx="1">
+            <a:schemeClr val="accent1"/>
+          </a:fillRef>
+          <a:effectRef idx="0">
+            <a:schemeClr val="accent1"/>
+          </a:effectRef>
+          <a:fontRef idx="minor">
+            <a:schemeClr val="lt1"/>
+          </a:fontRef>
+        </p:style>
+        <p:txBody>
+          <a:bodyPr rtlCol="0" anchor="ctr"/>
+          <a:lstStyle/>
+          <a:p>
+            <a:pPr algn="ctr"/>
+            <a:endParaRPr lang="hu-HU"/>
+          </a:p>
+        </p:txBody>
+      </p:sp>
+      <p:sp>
+        <p:nvSpPr>
+          <p:cNvPr id="7" name="Nyíl: jobbra mutató 6">
+            <a:extLst>
+              <a:ext uri="{FF2B5EF4-FFF2-40B4-BE49-F238E27FC236}">
+                <a16:creationId xmlns:a16="http://schemas.microsoft.com/office/drawing/2014/main" id="{EE0EE57B-954B-9822-2C16-918EA5804BF2}"/>
+              </a:ext>
+            </a:extLst>
+          </p:cNvPr>
+          <p:cNvSpPr/>
+          <p:nvPr/>
+        </p:nvSpPr>
+        <p:spPr>
+          <a:xfrm>
+            <a:off x="8474320" y="3196640"/>
+            <a:ext cx="288000" cy="144000"/>
+          </a:xfrm>
+          <a:prstGeom prst="rightArrow">
+            <a:avLst/>
+          </a:prstGeom>
+          <a:solidFill>
+            <a:schemeClr val="bg1"/>
+          </a:solidFill>
+          <a:ln>
+            <a:solidFill>
+              <a:schemeClr val="bg1"/>
+            </a:solidFill>
+          </a:ln>
+        </p:spPr>
+        <p:style>
+          <a:lnRef idx="2">
+            <a:schemeClr val="accent1">
+              <a:shade val="15000"/>
+            </a:schemeClr>
+          </a:lnRef>
+          <a:fillRef idx="1">
+            <a:schemeClr val="accent1"/>
+          </a:fillRef>
+          <a:effectRef idx="0">
+            <a:schemeClr val="accent1"/>
+          </a:effectRef>
+          <a:fontRef idx="minor">
+            <a:schemeClr val="lt1"/>
+          </a:fontRef>
+        </p:style>
+        <p:txBody>
+          <a:bodyPr rtlCol="0" anchor="ctr"/>
+          <a:lstStyle/>
+          <a:p>
+            <a:pPr algn="ctr"/>
+            <a:endParaRPr lang="hu-HU"/>
+          </a:p>
+        </p:txBody>
+      </p:sp>
+      <p:sp>
+        <p:nvSpPr>
+          <p:cNvPr id="8" name="Nyíl: jobbra mutató 7">
+            <a:extLst>
+              <a:ext uri="{FF2B5EF4-FFF2-40B4-BE49-F238E27FC236}">
+                <a16:creationId xmlns:a16="http://schemas.microsoft.com/office/drawing/2014/main" id="{95264DC0-433A-E306-A002-208EA24E4A7B}"/>
+              </a:ext>
+            </a:extLst>
+          </p:cNvPr>
+          <p:cNvSpPr/>
+          <p:nvPr/>
+        </p:nvSpPr>
+        <p:spPr>
+          <a:xfrm rot="5550754">
+            <a:off x="5213355" y="3675817"/>
+            <a:ext cx="288000" cy="144000"/>
+          </a:xfrm>
+          <a:prstGeom prst="rightArrow">
+            <a:avLst/>
+          </a:prstGeom>
+          <a:solidFill>
+            <a:schemeClr val="bg1"/>
+          </a:solidFill>
+          <a:ln>
+            <a:solidFill>
+              <a:schemeClr val="bg1"/>
+            </a:solidFill>
+          </a:ln>
+        </p:spPr>
+        <p:style>
+          <a:lnRef idx="2">
+            <a:schemeClr val="accent1">
+              <a:shade val="15000"/>
+            </a:schemeClr>
+          </a:lnRef>
+          <a:fillRef idx="1">
+            <a:schemeClr val="accent1"/>
+          </a:fillRef>
+          <a:effectRef idx="0">
+            <a:schemeClr val="accent1"/>
+          </a:effectRef>
+          <a:fontRef idx="minor">
+            <a:schemeClr val="lt1"/>
+          </a:fontRef>
+        </p:style>
+        <p:txBody>
+          <a:bodyPr rtlCol="0" anchor="ctr"/>
+          <a:lstStyle/>
+          <a:p>
+            <a:pPr algn="ctr"/>
+            <a:endParaRPr lang="hu-HU"/>
+          </a:p>
+        </p:txBody>
+      </p:sp>
+      <p:sp>
+        <p:nvSpPr>
+          <p:cNvPr id="9" name="Szövegdoboz 8">
+            <a:extLst>
+              <a:ext uri="{FF2B5EF4-FFF2-40B4-BE49-F238E27FC236}">
+                <a16:creationId xmlns:a16="http://schemas.microsoft.com/office/drawing/2014/main" id="{6A25F77D-C6EB-71FF-A764-DE3E464FADB3}"/>
+              </a:ext>
+            </a:extLst>
+          </p:cNvPr>
+          <p:cNvSpPr txBox="1"/>
+          <p:nvPr/>
+        </p:nvSpPr>
+        <p:spPr>
+          <a:xfrm>
+            <a:off x="3601720" y="6020455"/>
+            <a:ext cx="4988560" cy="369332"/>
+          </a:xfrm>
+          <a:prstGeom prst="rect">
+            <a:avLst/>
+          </a:prstGeom>
+          <a:noFill/>
+        </p:spPr>
+        <p:txBody>
+          <a:bodyPr wrap="square" rtlCol="0">
+            <a:spAutoFit/>
+          </a:bodyPr>
+          <a:lstStyle/>
+          <a:p>
+            <a:r>
+              <a:rPr lang="hu-HU" i="1" dirty="0">
+                <a:solidFill>
+                  <a:schemeClr val="bg1"/>
+                </a:solidFill>
+                <a:latin typeface="Amasis MT Pro Black" panose="02040A04050005020304" pitchFamily="18" charset="-18"/>
+              </a:rPr>
+              <a:t>To escape this screen press the ’Esc’ button!</a:t>
+            </a:r>
+          </a:p>
+        </p:txBody>
+      </p:sp>
+    </p:spTree>
+    <p:extLst>
+      <p:ext uri="{BB962C8B-B14F-4D97-AF65-F5344CB8AC3E}">
+        <p14:creationId xmlns:p14="http://schemas.microsoft.com/office/powerpoint/2010/main" val="2153533117"/>
       </p:ext>
     </p:extLst>
   </p:cSld>
